--- a/Slides/PH223_Lecture_42.pptx
+++ b/Slides/PH223_Lecture_42.pptx
@@ -36,11 +36,12 @@
     <p:sldId id="273" r:id="rId30"/>
     <p:sldId id="264" r:id="rId31"/>
     <p:sldId id="270" r:id="rId32"/>
-    <p:sldId id="1334" r:id="rId33"/>
-    <p:sldId id="1345" r:id="rId34"/>
-    <p:sldId id="1346" r:id="rId35"/>
-    <p:sldId id="271" r:id="rId36"/>
-    <p:sldId id="272" r:id="rId37"/>
+    <p:sldId id="1347" r:id="rId33"/>
+    <p:sldId id="1334" r:id="rId34"/>
+    <p:sldId id="1345" r:id="rId35"/>
+    <p:sldId id="1346" r:id="rId36"/>
+    <p:sldId id="271" r:id="rId37"/>
+    <p:sldId id="272" r:id="rId38"/>
   </p:sldIdLst>
   <p:sldSz cx="9144000" cy="6858000" type="screen4x3"/>
   <p:notesSz cx="6858000" cy="9144000"/>
@@ -161,13 +162,85 @@
 <file path=ppt/revisionInfo.xml><?xml version="1.0" encoding="utf-8"?>
 <p1510:revInfo xmlns:a="http://schemas.openxmlformats.org/drawingml/2006/main" xmlns:r="http://schemas.openxmlformats.org/officeDocument/2006/relationships" xmlns:p1510="http://schemas.microsoft.com/office/powerpoint/2015/10/main">
   <p1510:revLst>
-    <p1510:client id="{E61CCA1B-04C2-4E05-A449-639651D1974D}" v="18" dt="2023-11-20T22:07:22.149"/>
+    <p1510:client id="{CE18396D-5ACC-4B84-B56F-4D3F94622DFA}" v="16" dt="2024-07-05T17:31:18.588"/>
   </p1510:revLst>
 </p1510:revInfo>
 </file>
 
 <file path=ppt/changesInfos/changesInfo1.xml><?xml version="1.0" encoding="utf-8"?>
 <pc:chgInfo xmlns:a="http://schemas.openxmlformats.org/drawingml/2006/main" xmlns:r="http://schemas.openxmlformats.org/officeDocument/2006/relationships" xmlns:ac="http://schemas.microsoft.com/office/drawing/2013/main/command" xmlns:pc="http://schemas.microsoft.com/office/powerpoint/2013/main/command">
+  <pc:docChgLst>
+    <pc:chgData name="Lines, Todd" userId="afaf7c3a-e8aa-4568-882a-02ad8f9e19b0" providerId="ADAL" clId="{CE18396D-5ACC-4B84-B56F-4D3F94622DFA}"/>
+    <pc:docChg chg="undo custSel addSld modSld">
+      <pc:chgData name="Lines, Todd" userId="afaf7c3a-e8aa-4568-882a-02ad8f9e19b0" providerId="ADAL" clId="{CE18396D-5ACC-4B84-B56F-4D3F94622DFA}" dt="2024-07-05T17:31:18.588" v="20" actId="1076"/>
+      <pc:docMkLst>
+        <pc:docMk/>
+      </pc:docMkLst>
+      <pc:sldChg chg="addSp delSp modSp new mod">
+        <pc:chgData name="Lines, Todd" userId="afaf7c3a-e8aa-4568-882a-02ad8f9e19b0" providerId="ADAL" clId="{CE18396D-5ACC-4B84-B56F-4D3F94622DFA}" dt="2024-07-05T17:31:18.588" v="20" actId="1076"/>
+        <pc:sldMkLst>
+          <pc:docMk/>
+          <pc:sldMk cId="3861455062" sldId="1347"/>
+        </pc:sldMkLst>
+        <pc:spChg chg="del mod">
+          <ac:chgData name="Lines, Todd" userId="afaf7c3a-e8aa-4568-882a-02ad8f9e19b0" providerId="ADAL" clId="{CE18396D-5ACC-4B84-B56F-4D3F94622DFA}" dt="2024-07-05T17:31:11.493" v="17" actId="478"/>
+          <ac:spMkLst>
+            <pc:docMk/>
+            <pc:sldMk cId="3861455062" sldId="1347"/>
+            <ac:spMk id="3" creationId="{49F2683E-9DC3-49D1-E2E9-63ECF332AEF5}"/>
+          </ac:spMkLst>
+        </pc:spChg>
+        <pc:spChg chg="del">
+          <ac:chgData name="Lines, Todd" userId="afaf7c3a-e8aa-4568-882a-02ad8f9e19b0" providerId="ADAL" clId="{CE18396D-5ACC-4B84-B56F-4D3F94622DFA}" dt="2024-07-05T17:31:09.833" v="16" actId="478"/>
+          <ac:spMkLst>
+            <pc:docMk/>
+            <pc:sldMk cId="3861455062" sldId="1347"/>
+            <ac:spMk id="4" creationId="{98ADA068-C811-E6C6-E558-16CEF0B30F9F}"/>
+          </ac:spMkLst>
+        </pc:spChg>
+        <pc:spChg chg="add del">
+          <ac:chgData name="Lines, Todd" userId="afaf7c3a-e8aa-4568-882a-02ad8f9e19b0" providerId="ADAL" clId="{CE18396D-5ACC-4B84-B56F-4D3F94622DFA}" dt="2024-07-05T17:28:10.279" v="2" actId="22"/>
+          <ac:spMkLst>
+            <pc:docMk/>
+            <pc:sldMk cId="3861455062" sldId="1347"/>
+            <ac:spMk id="6" creationId="{76DF864E-27AB-85D2-A91B-9BBBB252808D}"/>
+          </ac:spMkLst>
+        </pc:spChg>
+        <pc:picChg chg="add mod">
+          <ac:chgData name="Lines, Todd" userId="afaf7c3a-e8aa-4568-882a-02ad8f9e19b0" providerId="ADAL" clId="{CE18396D-5ACC-4B84-B56F-4D3F94622DFA}" dt="2024-07-05T17:30:00.428" v="10" actId="14100"/>
+          <ac:picMkLst>
+            <pc:docMk/>
+            <pc:sldMk cId="3861455062" sldId="1347"/>
+            <ac:picMk id="1026" creationId="{747372CC-935A-8809-8B5B-4D19B50F776E}"/>
+          </ac:picMkLst>
+        </pc:picChg>
+        <pc:picChg chg="add mod">
+          <ac:chgData name="Lines, Todd" userId="afaf7c3a-e8aa-4568-882a-02ad8f9e19b0" providerId="ADAL" clId="{CE18396D-5ACC-4B84-B56F-4D3F94622DFA}" dt="2024-07-05T17:30:02.924" v="12" actId="14100"/>
+          <ac:picMkLst>
+            <pc:docMk/>
+            <pc:sldMk cId="3861455062" sldId="1347"/>
+            <ac:picMk id="1028" creationId="{D4C0A131-1D61-A0A1-9494-C1B2438EDC96}"/>
+          </ac:picMkLst>
+        </pc:picChg>
+        <pc:picChg chg="add mod">
+          <ac:chgData name="Lines, Todd" userId="afaf7c3a-e8aa-4568-882a-02ad8f9e19b0" providerId="ADAL" clId="{CE18396D-5ACC-4B84-B56F-4D3F94622DFA}" dt="2024-07-05T17:31:06.502" v="15" actId="1076"/>
+          <ac:picMkLst>
+            <pc:docMk/>
+            <pc:sldMk cId="3861455062" sldId="1347"/>
+            <ac:picMk id="1030" creationId="{4EEA080A-00FC-F3AE-F712-26C60FBE3E9F}"/>
+          </ac:picMkLst>
+        </pc:picChg>
+        <pc:picChg chg="add mod">
+          <ac:chgData name="Lines, Todd" userId="afaf7c3a-e8aa-4568-882a-02ad8f9e19b0" providerId="ADAL" clId="{CE18396D-5ACC-4B84-B56F-4D3F94622DFA}" dt="2024-07-05T17:31:18.588" v="20" actId="1076"/>
+          <ac:picMkLst>
+            <pc:docMk/>
+            <pc:sldMk cId="3861455062" sldId="1347"/>
+            <ac:picMk id="1032" creationId="{4FB9EE7A-DC1E-36A3-AD17-1C0FB178AC59}"/>
+          </ac:picMkLst>
+        </pc:picChg>
+      </pc:sldChg>
+    </pc:docChg>
+  </pc:docChgLst>
   <pc:docChgLst>
     <pc:chgData name="Lines, Todd" userId="afaf7c3a-e8aa-4568-882a-02ad8f9e19b0" providerId="ADAL" clId="{E61CCA1B-04C2-4E05-A449-639651D1974D}"/>
     <pc:docChg chg="custSel addSld delSld modSld sldOrd">
@@ -715,7 +788,7 @@
             <a:fld id="{85529DAA-2483-468F-AF81-049B6B4C928C}" type="datetimeFigureOut">
               <a:rPr lang="en-US" smtClean="0"/>
               <a:pPr/>
-              <a:t>11/20/2023</a:t>
+              <a:t>7/5/2024</a:t>
             </a:fld>
             <a:endParaRPr lang="en-US"/>
           </a:p>
@@ -880,7 +953,7 @@
             <a:fld id="{85529DAA-2483-468F-AF81-049B6B4C928C}" type="datetimeFigureOut">
               <a:rPr lang="en-US" smtClean="0"/>
               <a:pPr/>
-              <a:t>11/20/2023</a:t>
+              <a:t>7/5/2024</a:t>
             </a:fld>
             <a:endParaRPr lang="en-US"/>
           </a:p>
@@ -1055,7 +1128,7 @@
             <a:fld id="{85529DAA-2483-468F-AF81-049B6B4C928C}" type="datetimeFigureOut">
               <a:rPr lang="en-US" smtClean="0"/>
               <a:pPr/>
-              <a:t>11/20/2023</a:t>
+              <a:t>7/5/2024</a:t>
             </a:fld>
             <a:endParaRPr lang="en-US"/>
           </a:p>
@@ -1447,7 +1520,7 @@
             <a:fld id="{85529DAA-2483-468F-AF81-049B6B4C928C}" type="datetimeFigureOut">
               <a:rPr lang="en-US" smtClean="0"/>
               <a:pPr/>
-              <a:t>11/20/2023</a:t>
+              <a:t>7/5/2024</a:t>
             </a:fld>
             <a:endParaRPr lang="en-US"/>
           </a:p>
@@ -1689,7 +1762,7 @@
             <a:fld id="{85529DAA-2483-468F-AF81-049B6B4C928C}" type="datetimeFigureOut">
               <a:rPr lang="en-US" smtClean="0"/>
               <a:pPr/>
-              <a:t>11/20/2023</a:t>
+              <a:t>7/5/2024</a:t>
             </a:fld>
             <a:endParaRPr lang="en-US"/>
           </a:p>
@@ -1971,7 +2044,7 @@
             <a:fld id="{85529DAA-2483-468F-AF81-049B6B4C928C}" type="datetimeFigureOut">
               <a:rPr lang="en-US" smtClean="0"/>
               <a:pPr/>
-              <a:t>11/20/2023</a:t>
+              <a:t>7/5/2024</a:t>
             </a:fld>
             <a:endParaRPr lang="en-US"/>
           </a:p>
@@ -2387,7 +2460,7 @@
             <a:fld id="{85529DAA-2483-468F-AF81-049B6B4C928C}" type="datetimeFigureOut">
               <a:rPr lang="en-US" smtClean="0"/>
               <a:pPr/>
-              <a:t>11/20/2023</a:t>
+              <a:t>7/5/2024</a:t>
             </a:fld>
             <a:endParaRPr lang="en-US"/>
           </a:p>
@@ -2501,7 +2574,7 @@
             <a:fld id="{85529DAA-2483-468F-AF81-049B6B4C928C}" type="datetimeFigureOut">
               <a:rPr lang="en-US" smtClean="0"/>
               <a:pPr/>
-              <a:t>11/20/2023</a:t>
+              <a:t>7/5/2024</a:t>
             </a:fld>
             <a:endParaRPr lang="en-US"/>
           </a:p>
@@ -2593,7 +2666,7 @@
             <a:fld id="{85529DAA-2483-468F-AF81-049B6B4C928C}" type="datetimeFigureOut">
               <a:rPr lang="en-US" smtClean="0"/>
               <a:pPr/>
-              <a:t>11/20/2023</a:t>
+              <a:t>7/5/2024</a:t>
             </a:fld>
             <a:endParaRPr lang="en-US"/>
           </a:p>
@@ -2865,7 +2938,7 @@
             <a:fld id="{85529DAA-2483-468F-AF81-049B6B4C928C}" type="datetimeFigureOut">
               <a:rPr lang="en-US" smtClean="0"/>
               <a:pPr/>
-              <a:t>11/20/2023</a:t>
+              <a:t>7/5/2024</a:t>
             </a:fld>
             <a:endParaRPr lang="en-US"/>
           </a:p>
@@ -3114,7 +3187,7 @@
             <a:fld id="{85529DAA-2483-468F-AF81-049B6B4C928C}" type="datetimeFigureOut">
               <a:rPr lang="en-US" smtClean="0"/>
               <a:pPr/>
-              <a:t>11/20/2023</a:t>
+              <a:t>7/5/2024</a:t>
             </a:fld>
             <a:endParaRPr lang="en-US"/>
           </a:p>
@@ -3322,7 +3395,7 @@
             <a:fld id="{85529DAA-2483-468F-AF81-049B6B4C928C}" type="datetimeFigureOut">
               <a:rPr lang="en-US" smtClean="0"/>
               <a:pPr/>
-              <a:t>11/20/2023</a:t>
+              <a:t>7/5/2024</a:t>
             </a:fld>
             <a:endParaRPr lang="en-US"/>
           </a:p>
@@ -18244,7 +18317,13 @@
       </p:grpSpPr>
       <p:sp>
         <p:nvSpPr>
-          <p:cNvPr id="2" name="Title 1"/>
+          <p:cNvPr id="2" name="Title 1">
+            <a:extLst>
+              <a:ext uri="{FF2B5EF4-FFF2-40B4-BE49-F238E27FC236}">
+                <a16:creationId xmlns:a16="http://schemas.microsoft.com/office/drawing/2014/main" id="{F486AF2D-CF92-0E53-58CC-8AC1B6BCA357}"/>
+              </a:ext>
+            </a:extLst>
+          </p:cNvPr>
           <p:cNvSpPr>
             <a:spLocks noGrp="1"/>
           </p:cNvSpPr>
@@ -18257,104 +18336,204 @@
           <a:bodyPr/>
           <a:lstStyle/>
           <a:p>
-            <a:r>
-              <a:rPr lang="en-US" dirty="0"/>
-              <a:t>Question 223.42.5</a:t>
-            </a:r>
+            <a:endParaRPr lang="en-US"/>
           </a:p>
         </p:txBody>
       </p:sp>
-      <p:sp>
-        <p:nvSpPr>
-          <p:cNvPr id="3" name="Content Placeholder 2"/>
-          <p:cNvSpPr>
-            <a:spLocks noGrp="1"/>
-          </p:cNvSpPr>
-          <p:nvPr>
-            <p:ph idx="1"/>
-          </p:nvPr>
-        </p:nvSpPr>
-        <p:spPr/>
-        <p:txBody>
-          <a:bodyPr/>
-          <a:lstStyle/>
-          <a:p>
-            <a:pPr>
-              <a:buNone/>
-            </a:pPr>
-            <a:r>
-              <a:rPr lang="en-US" dirty="0"/>
-              <a:t>If I have a magnetic field, but I change that field, can it be that I create an electric field?</a:t>
-            </a:r>
-          </a:p>
-          <a:p>
-            <a:pPr marL="514350" indent="-514350">
-              <a:buAutoNum type="alphaLcParenR"/>
-            </a:pPr>
-            <a:r>
-              <a:rPr lang="en-US" dirty="0"/>
-              <a:t>Yes</a:t>
-            </a:r>
-          </a:p>
-          <a:p>
-            <a:pPr marL="514350" indent="-514350">
-              <a:buAutoNum type="alphaLcParenR"/>
-            </a:pPr>
-            <a:r>
-              <a:rPr lang="en-US" dirty="0"/>
-              <a:t>No</a:t>
-            </a:r>
-          </a:p>
-          <a:p>
-            <a:pPr marL="514350" indent="-514350">
-              <a:buAutoNum type="alphaLcParenR"/>
-            </a:pPr>
-            <a:r>
-              <a:rPr lang="en-US" dirty="0" err="1"/>
-              <a:t>Agh</a:t>
-            </a:r>
-            <a:r>
-              <a:rPr lang="en-US" dirty="0"/>
-              <a:t>! this </a:t>
-            </a:r>
-            <a:r>
-              <a:rPr lang="en-US"/>
-              <a:t>seems crazy</a:t>
-            </a:r>
-            <a:endParaRPr lang="en-US" dirty="0"/>
-          </a:p>
-        </p:txBody>
-      </p:sp>
-      <p:sp>
-        <p:nvSpPr>
-          <p:cNvPr id="4" name="Slide Number Placeholder 3"/>
-          <p:cNvSpPr>
-            <a:spLocks noGrp="1"/>
-          </p:cNvSpPr>
-          <p:nvPr>
-            <p:ph type="sldNum" sz="quarter" idx="12"/>
-          </p:nvPr>
-        </p:nvSpPr>
-        <p:spPr/>
-        <p:txBody>
-          <a:bodyPr/>
-          <a:lstStyle/>
-          <a:p>
-            <a:pPr>
-              <a:defRPr/>
-            </a:pPr>
-            <a:fld id="{64137B81-8888-4253-92EC-0AED2A590749}" type="slidenum">
-              <a:rPr lang="en-US" smtClean="0"/>
-              <a:pPr>
-                <a:defRPr/>
-              </a:pPr>
-              <a:t>32</a:t>
-            </a:fld>
-            <a:endParaRPr lang="en-US"/>
-          </a:p>
-        </p:txBody>
-      </p:sp>
+      <p:pic>
+        <p:nvPicPr>
+          <p:cNvPr id="1026" name="Picture 2">
+            <a:extLst>
+              <a:ext uri="{FF2B5EF4-FFF2-40B4-BE49-F238E27FC236}">
+                <a16:creationId xmlns:a16="http://schemas.microsoft.com/office/drawing/2014/main" id="{747372CC-935A-8809-8B5B-4D19B50F776E}"/>
+              </a:ext>
+            </a:extLst>
+          </p:cNvPr>
+          <p:cNvPicPr>
+            <a:picLocks noChangeAspect="1" noChangeArrowheads="1"/>
+          </p:cNvPicPr>
+          <p:nvPr/>
+        </p:nvPicPr>
+        <p:blipFill>
+          <a:blip r:embed="rId2">
+            <a:extLst>
+              <a:ext uri="{28A0092B-C50C-407E-A947-70E740481C1C}">
+                <a14:useLocalDpi xmlns:a14="http://schemas.microsoft.com/office/drawing/2010/main" val="0"/>
+              </a:ext>
+            </a:extLst>
+          </a:blip>
+          <a:srcRect/>
+          <a:stretch>
+            <a:fillRect/>
+          </a:stretch>
+        </p:blipFill>
+        <p:spPr bwMode="auto">
+          <a:xfrm>
+            <a:off x="290512" y="1142999"/>
+            <a:ext cx="4115389" cy="2693709"/>
+          </a:xfrm>
+          <a:prstGeom prst="rect">
+            <a:avLst/>
+          </a:prstGeom>
+          <a:noFill/>
+          <a:extLst>
+            <a:ext uri="{909E8E84-426E-40DD-AFC4-6F175D3DCCD1}">
+              <a14:hiddenFill xmlns:a14="http://schemas.microsoft.com/office/drawing/2010/main">
+                <a:solidFill>
+                  <a:srgbClr val="FFFFFF"/>
+                </a:solidFill>
+              </a14:hiddenFill>
+            </a:ext>
+          </a:extLst>
+        </p:spPr>
+      </p:pic>
+      <p:pic>
+        <p:nvPicPr>
+          <p:cNvPr id="1028" name="Picture 4">
+            <a:extLst>
+              <a:ext uri="{FF2B5EF4-FFF2-40B4-BE49-F238E27FC236}">
+                <a16:creationId xmlns:a16="http://schemas.microsoft.com/office/drawing/2014/main" id="{D4C0A131-1D61-A0A1-9494-C1B2438EDC96}"/>
+              </a:ext>
+            </a:extLst>
+          </p:cNvPr>
+          <p:cNvPicPr>
+            <a:picLocks noChangeAspect="1" noChangeArrowheads="1"/>
+          </p:cNvPicPr>
+          <p:nvPr/>
+        </p:nvPicPr>
+        <p:blipFill>
+          <a:blip r:embed="rId3">
+            <a:extLst>
+              <a:ext uri="{28A0092B-C50C-407E-A947-70E740481C1C}">
+                <a14:useLocalDpi xmlns:a14="http://schemas.microsoft.com/office/drawing/2010/main" val="0"/>
+              </a:ext>
+            </a:extLst>
+          </a:blip>
+          <a:srcRect/>
+          <a:stretch>
+            <a:fillRect/>
+          </a:stretch>
+        </p:blipFill>
+        <p:spPr bwMode="auto">
+          <a:xfrm>
+            <a:off x="2582945" y="2400299"/>
+            <a:ext cx="2800840" cy="3131374"/>
+          </a:xfrm>
+          <a:prstGeom prst="rect">
+            <a:avLst/>
+          </a:prstGeom>
+          <a:noFill/>
+          <a:extLst>
+            <a:ext uri="{909E8E84-426E-40DD-AFC4-6F175D3DCCD1}">
+              <a14:hiddenFill xmlns:a14="http://schemas.microsoft.com/office/drawing/2010/main">
+                <a:solidFill>
+                  <a:srgbClr val="FFFFFF"/>
+                </a:solidFill>
+              </a14:hiddenFill>
+            </a:ext>
+          </a:extLst>
+        </p:spPr>
+      </p:pic>
+      <p:pic>
+        <p:nvPicPr>
+          <p:cNvPr id="1030" name="Picture 6">
+            <a:extLst>
+              <a:ext uri="{FF2B5EF4-FFF2-40B4-BE49-F238E27FC236}">
+                <a16:creationId xmlns:a16="http://schemas.microsoft.com/office/drawing/2014/main" id="{4EEA080A-00FC-F3AE-F712-26C60FBE3E9F}"/>
+              </a:ext>
+            </a:extLst>
+          </p:cNvPr>
+          <p:cNvPicPr>
+            <a:picLocks noChangeAspect="1" noChangeArrowheads="1"/>
+          </p:cNvPicPr>
+          <p:nvPr/>
+        </p:nvPicPr>
+        <p:blipFill>
+          <a:blip r:embed="rId4">
+            <a:extLst>
+              <a:ext uri="{28A0092B-C50C-407E-A947-70E740481C1C}">
+                <a14:useLocalDpi xmlns:a14="http://schemas.microsoft.com/office/drawing/2010/main" val="0"/>
+              </a:ext>
+            </a:extLst>
+          </a:blip>
+          <a:srcRect/>
+          <a:stretch>
+            <a:fillRect/>
+          </a:stretch>
+        </p:blipFill>
+        <p:spPr bwMode="auto">
+          <a:xfrm>
+            <a:off x="5156169" y="1299479"/>
+            <a:ext cx="2446157" cy="2560597"/>
+          </a:xfrm>
+          <a:prstGeom prst="rect">
+            <a:avLst/>
+          </a:prstGeom>
+          <a:noFill/>
+          <a:extLst>
+            <a:ext uri="{909E8E84-426E-40DD-AFC4-6F175D3DCCD1}">
+              <a14:hiddenFill xmlns:a14="http://schemas.microsoft.com/office/drawing/2010/main">
+                <a:solidFill>
+                  <a:srgbClr val="FFFFFF"/>
+                </a:solidFill>
+              </a14:hiddenFill>
+            </a:ext>
+          </a:extLst>
+        </p:spPr>
+      </p:pic>
+      <p:pic>
+        <p:nvPicPr>
+          <p:cNvPr id="1032" name="Picture 8">
+            <a:extLst>
+              <a:ext uri="{FF2B5EF4-FFF2-40B4-BE49-F238E27FC236}">
+                <a16:creationId xmlns:a16="http://schemas.microsoft.com/office/drawing/2014/main" id="{4FB9EE7A-DC1E-36A3-AD17-1C0FB178AC59}"/>
+              </a:ext>
+            </a:extLst>
+          </p:cNvPr>
+          <p:cNvPicPr>
+            <a:picLocks noChangeAspect="1" noChangeArrowheads="1"/>
+          </p:cNvPicPr>
+          <p:nvPr/>
+        </p:nvPicPr>
+        <p:blipFill>
+          <a:blip r:embed="rId5">
+            <a:extLst>
+              <a:ext uri="{28A0092B-C50C-407E-A947-70E740481C1C}">
+                <a14:useLocalDpi xmlns:a14="http://schemas.microsoft.com/office/drawing/2010/main" val="0"/>
+              </a:ext>
+            </a:extLst>
+          </a:blip>
+          <a:srcRect/>
+          <a:stretch>
+            <a:fillRect/>
+          </a:stretch>
+        </p:blipFill>
+        <p:spPr bwMode="auto">
+          <a:xfrm>
+            <a:off x="5156169" y="4071896"/>
+            <a:ext cx="3414129" cy="2560597"/>
+          </a:xfrm>
+          <a:prstGeom prst="rect">
+            <a:avLst/>
+          </a:prstGeom>
+          <a:noFill/>
+          <a:extLst>
+            <a:ext uri="{909E8E84-426E-40DD-AFC4-6F175D3DCCD1}">
+              <a14:hiddenFill xmlns:a14="http://schemas.microsoft.com/office/drawing/2010/main">
+                <a:solidFill>
+                  <a:srgbClr val="FFFFFF"/>
+                </a:solidFill>
+              </a14:hiddenFill>
+            </a:ext>
+          </a:extLst>
+        </p:spPr>
+      </p:pic>
     </p:spTree>
+    <p:extLst>
+      <p:ext uri="{BB962C8B-B14F-4D97-AF65-F5344CB8AC3E}">
+        <p14:creationId xmlns:p14="http://schemas.microsoft.com/office/powerpoint/2010/main" val="3861455062"/>
+      </p:ext>
+    </p:extLst>
   </p:cSld>
   <p:clrMapOvr>
     <a:masterClrMapping/>
@@ -18396,7 +18575,7 @@
           <a:p>
             <a:r>
               <a:rPr lang="en-US" dirty="0"/>
-              <a:t>Question 223.42.5.1</a:t>
+              <a:t>Question 223.42.5</a:t>
             </a:r>
           </a:p>
         </p:txBody>
@@ -18421,7 +18600,7 @@
             </a:pPr>
             <a:r>
               <a:rPr lang="en-US" dirty="0"/>
-              <a:t>What makes charge accelerate?</a:t>
+              <a:t>If I have a magnetic field, but I change that field, can it be that I create an electric field?</a:t>
             </a:r>
           </a:p>
           <a:p>
@@ -18430,7 +18609,7 @@
             </a:pPr>
             <a:r>
               <a:rPr lang="en-US" dirty="0"/>
-              <a:t>Electric fields</a:t>
+              <a:t>Yes</a:t>
             </a:r>
           </a:p>
           <a:p>
@@ -18439,7 +18618,7 @@
             </a:pPr>
             <a:r>
               <a:rPr lang="en-US" dirty="0"/>
-              <a:t>Magnetic fields</a:t>
+              <a:t>No</a:t>
             </a:r>
           </a:p>
           <a:p>
@@ -18447,18 +18626,18 @@
               <a:buAutoNum type="alphaLcParenR"/>
             </a:pPr>
             <a:r>
-              <a:rPr lang="en-US" dirty="0"/>
-              <a:t>Electrical Potential</a:t>
+              <a:rPr lang="en-US" dirty="0" err="1"/>
+              <a:t>Agh</a:t>
             </a:r>
-          </a:p>
-          <a:p>
-            <a:pPr marL="514350" indent="-514350">
-              <a:buAutoNum type="alphaLcParenR"/>
-            </a:pPr>
             <a:r>
               <a:rPr lang="en-US" dirty="0"/>
-              <a:t>Magnetic Potential</a:t>
+              <a:t>! this </a:t>
             </a:r>
+            <a:r>
+              <a:rPr lang="en-US"/>
+              <a:t>seems crazy</a:t>
+            </a:r>
+            <a:endParaRPr lang="en-US" dirty="0"/>
           </a:p>
         </p:txBody>
       </p:sp>
@@ -18492,11 +18671,6 @@
         </p:txBody>
       </p:sp>
     </p:spTree>
-    <p:extLst>
-      <p:ext uri="{BB962C8B-B14F-4D97-AF65-F5344CB8AC3E}">
-        <p14:creationId xmlns:p14="http://schemas.microsoft.com/office/powerpoint/2010/main" val="868899012"/>
-      </p:ext>
-    </p:extLst>
   </p:cSld>
   <p:clrMapOvr>
     <a:masterClrMapping/>
@@ -18538,7 +18712,7 @@
           <a:p>
             <a:r>
               <a:rPr lang="en-US" dirty="0"/>
-              <a:t>Question 223.42.5.2</a:t>
+              <a:t>Question 223.42.5.1</a:t>
             </a:r>
           </a:p>
         </p:txBody>
@@ -18563,7 +18737,7 @@
             </a:pPr>
             <a:r>
               <a:rPr lang="en-US" dirty="0"/>
-              <a:t>What makes charge accelerate in electrical circuits?</a:t>
+              <a:t>What makes charge accelerate?</a:t>
             </a:r>
           </a:p>
           <a:p>
@@ -18636,6 +18810,148 @@
     </p:spTree>
     <p:extLst>
       <p:ext uri="{BB962C8B-B14F-4D97-AF65-F5344CB8AC3E}">
+        <p14:creationId xmlns:p14="http://schemas.microsoft.com/office/powerpoint/2010/main" val="868899012"/>
+      </p:ext>
+    </p:extLst>
+  </p:cSld>
+  <p:clrMapOvr>
+    <a:masterClrMapping/>
+  </p:clrMapOvr>
+</p:sld>
+</file>
+
+<file path=ppt/slides/slide35.xml><?xml version="1.0" encoding="utf-8"?>
+<p:sld xmlns:a="http://schemas.openxmlformats.org/drawingml/2006/main" xmlns:r="http://schemas.openxmlformats.org/officeDocument/2006/relationships" xmlns:p="http://schemas.openxmlformats.org/presentationml/2006/main">
+  <p:cSld>
+    <p:spTree>
+      <p:nvGrpSpPr>
+        <p:cNvPr id="1" name=""/>
+        <p:cNvGrpSpPr/>
+        <p:nvPr/>
+      </p:nvGrpSpPr>
+      <p:grpSpPr>
+        <a:xfrm>
+          <a:off x="0" y="0"/>
+          <a:ext cx="0" cy="0"/>
+          <a:chOff x="0" y="0"/>
+          <a:chExt cx="0" cy="0"/>
+        </a:xfrm>
+      </p:grpSpPr>
+      <p:sp>
+        <p:nvSpPr>
+          <p:cNvPr id="2" name="Title 1"/>
+          <p:cNvSpPr>
+            <a:spLocks noGrp="1"/>
+          </p:cNvSpPr>
+          <p:nvPr>
+            <p:ph type="title"/>
+          </p:nvPr>
+        </p:nvSpPr>
+        <p:spPr/>
+        <p:txBody>
+          <a:bodyPr/>
+          <a:lstStyle/>
+          <a:p>
+            <a:r>
+              <a:rPr lang="en-US" dirty="0"/>
+              <a:t>Question 223.42.5.2</a:t>
+            </a:r>
+          </a:p>
+        </p:txBody>
+      </p:sp>
+      <p:sp>
+        <p:nvSpPr>
+          <p:cNvPr id="3" name="Content Placeholder 2"/>
+          <p:cNvSpPr>
+            <a:spLocks noGrp="1"/>
+          </p:cNvSpPr>
+          <p:nvPr>
+            <p:ph idx="1"/>
+          </p:nvPr>
+        </p:nvSpPr>
+        <p:spPr/>
+        <p:txBody>
+          <a:bodyPr/>
+          <a:lstStyle/>
+          <a:p>
+            <a:pPr>
+              <a:buNone/>
+            </a:pPr>
+            <a:r>
+              <a:rPr lang="en-US" dirty="0"/>
+              <a:t>What makes charge accelerate in electrical circuits?</a:t>
+            </a:r>
+          </a:p>
+          <a:p>
+            <a:pPr marL="514350" indent="-514350">
+              <a:buAutoNum type="alphaLcParenR"/>
+            </a:pPr>
+            <a:r>
+              <a:rPr lang="en-US" dirty="0"/>
+              <a:t>Electric fields</a:t>
+            </a:r>
+          </a:p>
+          <a:p>
+            <a:pPr marL="514350" indent="-514350">
+              <a:buAutoNum type="alphaLcParenR"/>
+            </a:pPr>
+            <a:r>
+              <a:rPr lang="en-US" dirty="0"/>
+              <a:t>Magnetic fields</a:t>
+            </a:r>
+          </a:p>
+          <a:p>
+            <a:pPr marL="514350" indent="-514350">
+              <a:buAutoNum type="alphaLcParenR"/>
+            </a:pPr>
+            <a:r>
+              <a:rPr lang="en-US" dirty="0"/>
+              <a:t>Electrical Potential</a:t>
+            </a:r>
+          </a:p>
+          <a:p>
+            <a:pPr marL="514350" indent="-514350">
+              <a:buAutoNum type="alphaLcParenR"/>
+            </a:pPr>
+            <a:r>
+              <a:rPr lang="en-US" dirty="0"/>
+              <a:t>Magnetic Potential</a:t>
+            </a:r>
+          </a:p>
+        </p:txBody>
+      </p:sp>
+      <p:sp>
+        <p:nvSpPr>
+          <p:cNvPr id="4" name="Slide Number Placeholder 3"/>
+          <p:cNvSpPr>
+            <a:spLocks noGrp="1"/>
+          </p:cNvSpPr>
+          <p:nvPr>
+            <p:ph type="sldNum" sz="quarter" idx="12"/>
+          </p:nvPr>
+        </p:nvSpPr>
+        <p:spPr/>
+        <p:txBody>
+          <a:bodyPr/>
+          <a:lstStyle/>
+          <a:p>
+            <a:pPr>
+              <a:defRPr/>
+            </a:pPr>
+            <a:fld id="{64137B81-8888-4253-92EC-0AED2A590749}" type="slidenum">
+              <a:rPr lang="en-US" smtClean="0"/>
+              <a:pPr>
+                <a:defRPr/>
+              </a:pPr>
+              <a:t>35</a:t>
+            </a:fld>
+            <a:endParaRPr lang="en-US"/>
+          </a:p>
+        </p:txBody>
+      </p:sp>
+    </p:spTree>
+    <p:extLst>
+      <p:ext uri="{BB962C8B-B14F-4D97-AF65-F5344CB8AC3E}">
         <p14:creationId xmlns:p14="http://schemas.microsoft.com/office/powerpoint/2010/main" val="2289351265"/>
       </p:ext>
     </p:extLst>
@@ -18646,7 +18962,7 @@
 </p:sld>
 </file>
 
-<file path=ppt/slides/slide35.xml><?xml version="1.0" encoding="utf-8"?>
+<file path=ppt/slides/slide36.xml><?xml version="1.0" encoding="utf-8"?>
 <p:sld xmlns:a="http://schemas.openxmlformats.org/drawingml/2006/main" xmlns:r="http://schemas.openxmlformats.org/officeDocument/2006/relationships" xmlns:p="http://schemas.openxmlformats.org/presentationml/2006/main">
   <p:cSld>
     <p:spTree>
@@ -20035,7 +20351,7 @@
 </p:sld>
 </file>
 
-<file path=ppt/slides/slide36.xml><?xml version="1.0" encoding="utf-8"?>
+<file path=ppt/slides/slide37.xml><?xml version="1.0" encoding="utf-8"?>
 <p:sld xmlns:a="http://schemas.openxmlformats.org/drawingml/2006/main" xmlns:r="http://schemas.openxmlformats.org/officeDocument/2006/relationships" xmlns:p="http://schemas.openxmlformats.org/presentationml/2006/main">
   <p:cSld>
     <p:spTree>

--- a/Slides/PH223_Lecture_42.pptx
+++ b/Slides/PH223_Lecture_42.pptx
@@ -156,6 +156,45 @@
 <file path=ppt/changesInfos/changesInfo1.xml><?xml version="1.0" encoding="utf-8"?>
 <pc:chgInfo xmlns:a="http://schemas.openxmlformats.org/drawingml/2006/main" xmlns:r="http://schemas.openxmlformats.org/officeDocument/2006/relationships" xmlns:ac="http://schemas.microsoft.com/office/drawing/2013/main/command" xmlns:pc="http://schemas.microsoft.com/office/powerpoint/2013/main/command">
   <pc:docChgLst>
+    <pc:chgData name="Lines, Todd" userId="afaf7c3a-e8aa-4568-882a-02ad8f9e19b0" providerId="ADAL" clId="{5FF5AC1B-ABA9-43D7-A1E3-2D92732CD6E2}"/>
+    <pc:docChg chg="undo custSel modSld">
+      <pc:chgData name="Lines, Todd" userId="afaf7c3a-e8aa-4568-882a-02ad8f9e19b0" providerId="ADAL" clId="{5FF5AC1B-ABA9-43D7-A1E3-2D92732CD6E2}" dt="2025-10-28T21:40:39.618" v="5" actId="14100"/>
+      <pc:docMkLst>
+        <pc:docMk/>
+      </pc:docMkLst>
+      <pc:sldChg chg="modSp mod">
+        <pc:chgData name="Lines, Todd" userId="afaf7c3a-e8aa-4568-882a-02ad8f9e19b0" providerId="ADAL" clId="{5FF5AC1B-ABA9-43D7-A1E3-2D92732CD6E2}" dt="2025-10-28T21:39:36.814" v="1" actId="14100"/>
+        <pc:sldMkLst>
+          <pc:docMk/>
+          <pc:sldMk cId="0" sldId="262"/>
+        </pc:sldMkLst>
+        <pc:picChg chg="mod">
+          <ac:chgData name="Lines, Todd" userId="afaf7c3a-e8aa-4568-882a-02ad8f9e19b0" providerId="ADAL" clId="{5FF5AC1B-ABA9-43D7-A1E3-2D92732CD6E2}" dt="2025-10-28T21:39:36.814" v="1" actId="14100"/>
+          <ac:picMkLst>
+            <pc:docMk/>
+            <pc:sldMk cId="0" sldId="262"/>
+            <ac:picMk id="57353" creationId="{00000000-0000-0000-0000-000000000000}"/>
+          </ac:picMkLst>
+        </pc:picChg>
+      </pc:sldChg>
+      <pc:sldChg chg="modSp mod">
+        <pc:chgData name="Lines, Todd" userId="afaf7c3a-e8aa-4568-882a-02ad8f9e19b0" providerId="ADAL" clId="{5FF5AC1B-ABA9-43D7-A1E3-2D92732CD6E2}" dt="2025-10-28T21:40:39.618" v="5" actId="14100"/>
+        <pc:sldMkLst>
+          <pc:docMk/>
+          <pc:sldMk cId="0" sldId="267"/>
+        </pc:sldMkLst>
+        <pc:picChg chg="mod">
+          <ac:chgData name="Lines, Todd" userId="afaf7c3a-e8aa-4568-882a-02ad8f9e19b0" providerId="ADAL" clId="{5FF5AC1B-ABA9-43D7-A1E3-2D92732CD6E2}" dt="2025-10-28T21:40:39.618" v="5" actId="14100"/>
+          <ac:picMkLst>
+            <pc:docMk/>
+            <pc:sldMk cId="0" sldId="267"/>
+            <ac:picMk id="28674" creationId="{00000000-0000-0000-0000-000000000000}"/>
+          </ac:picMkLst>
+        </pc:picChg>
+      </pc:sldChg>
+    </pc:docChg>
+  </pc:docChgLst>
+  <pc:docChgLst>
     <pc:chgData name="Lines, Todd" userId="afaf7c3a-e8aa-4568-882a-02ad8f9e19b0" providerId="ADAL" clId="{63800CE7-8C60-43B0-9F00-B562DD0F0099}"/>
     <pc:docChg chg="undo custSel addSld delSld modSld sldOrd">
       <pc:chgData name="Lines, Todd" userId="afaf7c3a-e8aa-4568-882a-02ad8f9e19b0" providerId="ADAL" clId="{63800CE7-8C60-43B0-9F00-B562DD0F0099}" dt="2023-09-26T23:51:48.121" v="772" actId="478"/>
@@ -168,14 +207,6 @@
           <pc:docMk/>
           <pc:sldMk cId="0" sldId="269"/>
         </pc:sldMkLst>
-        <pc:spChg chg="del">
-          <ac:chgData name="Lines, Todd" userId="afaf7c3a-e8aa-4568-882a-02ad8f9e19b0" providerId="ADAL" clId="{63800CE7-8C60-43B0-9F00-B562DD0F0099}" dt="2023-09-26T23:51:48.121" v="772" actId="478"/>
-          <ac:spMkLst>
-            <pc:docMk/>
-            <pc:sldMk cId="0" sldId="269"/>
-            <ac:spMk id="7" creationId="{00000000-0000-0000-0000-000000000000}"/>
-          </ac:spMkLst>
-        </pc:spChg>
       </pc:sldChg>
       <pc:sldChg chg="add">
         <pc:chgData name="Lines, Todd" userId="afaf7c3a-e8aa-4568-882a-02ad8f9e19b0" providerId="ADAL" clId="{63800CE7-8C60-43B0-9F00-B562DD0F0099}" dt="2023-09-25T23:32:56.326" v="11"/>
@@ -197,14 +228,6 @@
           <pc:docMk/>
           <pc:sldMk cId="3935541707" sldId="1388"/>
         </pc:sldMkLst>
-        <pc:spChg chg="mod">
-          <ac:chgData name="Lines, Todd" userId="afaf7c3a-e8aa-4568-882a-02ad8f9e19b0" providerId="ADAL" clId="{63800CE7-8C60-43B0-9F00-B562DD0F0099}" dt="2023-09-26T16:33:34.532" v="22" actId="20577"/>
-          <ac:spMkLst>
-            <pc:docMk/>
-            <pc:sldMk cId="3935541707" sldId="1388"/>
-            <ac:spMk id="2" creationId="{94EA0EF4-AA94-CB81-643C-0815C0F417D2}"/>
-          </ac:spMkLst>
-        </pc:spChg>
       </pc:sldChg>
       <pc:sldChg chg="new del">
         <pc:chgData name="Lines, Todd" userId="afaf7c3a-e8aa-4568-882a-02ad8f9e19b0" providerId="ADAL" clId="{63800CE7-8C60-43B0-9F00-B562DD0F0099}" dt="2023-09-26T16:35:53.791" v="266" actId="47"/>
@@ -219,38 +242,6 @@
           <pc:docMk/>
           <pc:sldMk cId="2432076691" sldId="1390"/>
         </pc:sldMkLst>
-        <pc:spChg chg="mod">
-          <ac:chgData name="Lines, Todd" userId="afaf7c3a-e8aa-4568-882a-02ad8f9e19b0" providerId="ADAL" clId="{63800CE7-8C60-43B0-9F00-B562DD0F0099}" dt="2023-09-26T16:35:50.509" v="265" actId="14100"/>
-          <ac:spMkLst>
-            <pc:docMk/>
-            <pc:sldMk cId="2432076691" sldId="1390"/>
-            <ac:spMk id="2" creationId="{00000000-0000-0000-0000-000000000000}"/>
-          </ac:spMkLst>
-        </pc:spChg>
-        <pc:spChg chg="mod">
-          <ac:chgData name="Lines, Todd" userId="afaf7c3a-e8aa-4568-882a-02ad8f9e19b0" providerId="ADAL" clId="{63800CE7-8C60-43B0-9F00-B562DD0F0099}" dt="2023-09-26T16:35:02.031" v="221" actId="5793"/>
-          <ac:spMkLst>
-            <pc:docMk/>
-            <pc:sldMk cId="2432076691" sldId="1390"/>
-            <ac:spMk id="3" creationId="{00000000-0000-0000-0000-000000000000}"/>
-          </ac:spMkLst>
-        </pc:spChg>
-        <pc:spChg chg="add mod">
-          <ac:chgData name="Lines, Todd" userId="afaf7c3a-e8aa-4568-882a-02ad8f9e19b0" providerId="ADAL" clId="{63800CE7-8C60-43B0-9F00-B562DD0F0099}" dt="2023-09-26T16:35:46.487" v="264" actId="1037"/>
-          <ac:spMkLst>
-            <pc:docMk/>
-            <pc:sldMk cId="2432076691" sldId="1390"/>
-            <ac:spMk id="4" creationId="{70F33C2B-F1CD-21D3-C981-131CF70D97F4}"/>
-          </ac:spMkLst>
-        </pc:spChg>
-        <pc:picChg chg="mod">
-          <ac:chgData name="Lines, Todd" userId="afaf7c3a-e8aa-4568-882a-02ad8f9e19b0" providerId="ADAL" clId="{63800CE7-8C60-43B0-9F00-B562DD0F0099}" dt="2023-09-26T16:35:46.487" v="264" actId="1037"/>
-          <ac:picMkLst>
-            <pc:docMk/>
-            <pc:sldMk cId="2432076691" sldId="1390"/>
-            <ac:picMk id="3074" creationId="{00000000-0000-0000-0000-000000000000}"/>
-          </ac:picMkLst>
-        </pc:picChg>
       </pc:sldChg>
       <pc:sldChg chg="addSp modSp add mod">
         <pc:chgData name="Lines, Todd" userId="afaf7c3a-e8aa-4568-882a-02ad8f9e19b0" providerId="ADAL" clId="{63800CE7-8C60-43B0-9F00-B562DD0F0099}" dt="2023-09-26T16:39:53.331" v="469" actId="20577"/>
@@ -258,30 +249,6 @@
           <pc:docMk/>
           <pc:sldMk cId="807199054" sldId="1391"/>
         </pc:sldMkLst>
-        <pc:spChg chg="mod">
-          <ac:chgData name="Lines, Todd" userId="afaf7c3a-e8aa-4568-882a-02ad8f9e19b0" providerId="ADAL" clId="{63800CE7-8C60-43B0-9F00-B562DD0F0099}" dt="2023-09-26T16:39:53.331" v="469" actId="20577"/>
-          <ac:spMkLst>
-            <pc:docMk/>
-            <pc:sldMk cId="807199054" sldId="1391"/>
-            <ac:spMk id="3" creationId="{00000000-0000-0000-0000-000000000000}"/>
-          </ac:spMkLst>
-        </pc:spChg>
-        <pc:spChg chg="add mod">
-          <ac:chgData name="Lines, Todd" userId="afaf7c3a-e8aa-4568-882a-02ad8f9e19b0" providerId="ADAL" clId="{63800CE7-8C60-43B0-9F00-B562DD0F0099}" dt="2023-09-26T16:37:46.112" v="276" actId="1076"/>
-          <ac:spMkLst>
-            <pc:docMk/>
-            <pc:sldMk cId="807199054" sldId="1391"/>
-            <ac:spMk id="5" creationId="{09DBFF4C-BCD8-13B6-07F3-6BB27892273A}"/>
-          </ac:spMkLst>
-        </pc:spChg>
-        <pc:spChg chg="add mod">
-          <ac:chgData name="Lines, Todd" userId="afaf7c3a-e8aa-4568-882a-02ad8f9e19b0" providerId="ADAL" clId="{63800CE7-8C60-43B0-9F00-B562DD0F0099}" dt="2023-09-26T16:38:04.533" v="378" actId="1035"/>
-          <ac:spMkLst>
-            <pc:docMk/>
-            <pc:sldMk cId="807199054" sldId="1391"/>
-            <ac:spMk id="6" creationId="{1FBE7A73-7D94-3A7B-556F-4DC4E6DF4FE3}"/>
-          </ac:spMkLst>
-        </pc:spChg>
       </pc:sldChg>
       <pc:sldChg chg="addSp modSp add mod">
         <pc:chgData name="Lines, Todd" userId="afaf7c3a-e8aa-4568-882a-02ad8f9e19b0" providerId="ADAL" clId="{63800CE7-8C60-43B0-9F00-B562DD0F0099}" dt="2023-09-26T16:41:34.250" v="509" actId="1038"/>
@@ -289,54 +256,6 @@
           <pc:docMk/>
           <pc:sldMk cId="3655617250" sldId="1392"/>
         </pc:sldMkLst>
-        <pc:spChg chg="mod">
-          <ac:chgData name="Lines, Todd" userId="afaf7c3a-e8aa-4568-882a-02ad8f9e19b0" providerId="ADAL" clId="{63800CE7-8C60-43B0-9F00-B562DD0F0099}" dt="2023-09-26T16:40:06.628" v="482" actId="6549"/>
-          <ac:spMkLst>
-            <pc:docMk/>
-            <pc:sldMk cId="3655617250" sldId="1392"/>
-            <ac:spMk id="3" creationId="{00000000-0000-0000-0000-000000000000}"/>
-          </ac:spMkLst>
-        </pc:spChg>
-        <pc:spChg chg="mod">
-          <ac:chgData name="Lines, Todd" userId="afaf7c3a-e8aa-4568-882a-02ad8f9e19b0" providerId="ADAL" clId="{63800CE7-8C60-43B0-9F00-B562DD0F0099}" dt="2023-09-26T16:40:20.420" v="484" actId="1076"/>
-          <ac:spMkLst>
-            <pc:docMk/>
-            <pc:sldMk cId="3655617250" sldId="1392"/>
-            <ac:spMk id="4" creationId="{70F33C2B-F1CD-21D3-C981-131CF70D97F4}"/>
-          </ac:spMkLst>
-        </pc:spChg>
-        <pc:spChg chg="mod">
-          <ac:chgData name="Lines, Todd" userId="afaf7c3a-e8aa-4568-882a-02ad8f9e19b0" providerId="ADAL" clId="{63800CE7-8C60-43B0-9F00-B562DD0F0099}" dt="2023-09-26T16:41:34.250" v="509" actId="1038"/>
-          <ac:spMkLst>
-            <pc:docMk/>
-            <pc:sldMk cId="3655617250" sldId="1392"/>
-            <ac:spMk id="5" creationId="{09DBFF4C-BCD8-13B6-07F3-6BB27892273A}"/>
-          </ac:spMkLst>
-        </pc:spChg>
-        <pc:spChg chg="mod">
-          <ac:chgData name="Lines, Todd" userId="afaf7c3a-e8aa-4568-882a-02ad8f9e19b0" providerId="ADAL" clId="{63800CE7-8C60-43B0-9F00-B562DD0F0099}" dt="2023-09-26T16:41:34.250" v="509" actId="1038"/>
-          <ac:spMkLst>
-            <pc:docMk/>
-            <pc:sldMk cId="3655617250" sldId="1392"/>
-            <ac:spMk id="6" creationId="{1FBE7A73-7D94-3A7B-556F-4DC4E6DF4FE3}"/>
-          </ac:spMkLst>
-        </pc:spChg>
-        <pc:picChg chg="add mod ord">
-          <ac:chgData name="Lines, Todd" userId="afaf7c3a-e8aa-4568-882a-02ad8f9e19b0" providerId="ADAL" clId="{63800CE7-8C60-43B0-9F00-B562DD0F0099}" dt="2023-09-26T16:41:34.250" v="509" actId="1038"/>
-          <ac:picMkLst>
-            <pc:docMk/>
-            <pc:sldMk cId="3655617250" sldId="1392"/>
-            <ac:picMk id="7" creationId="{5E0A8329-D581-D634-3B7A-576DD2D2B61B}"/>
-          </ac:picMkLst>
-        </pc:picChg>
-        <pc:picChg chg="mod">
-          <ac:chgData name="Lines, Todd" userId="afaf7c3a-e8aa-4568-882a-02ad8f9e19b0" providerId="ADAL" clId="{63800CE7-8C60-43B0-9F00-B562DD0F0099}" dt="2023-09-26T16:40:15.840" v="483" actId="14100"/>
-          <ac:picMkLst>
-            <pc:docMk/>
-            <pc:sldMk cId="3655617250" sldId="1392"/>
-            <ac:picMk id="3074" creationId="{00000000-0000-0000-0000-000000000000}"/>
-          </ac:picMkLst>
-        </pc:picChg>
       </pc:sldChg>
       <pc:sldChg chg="addSp delSp modSp new mod">
         <pc:chgData name="Lines, Todd" userId="afaf7c3a-e8aa-4568-882a-02ad8f9e19b0" providerId="ADAL" clId="{63800CE7-8C60-43B0-9F00-B562DD0F0099}" dt="2023-09-26T16:45:01.521" v="771" actId="1038"/>
@@ -344,94 +263,6 @@
           <pc:docMk/>
           <pc:sldMk cId="2985780737" sldId="1393"/>
         </pc:sldMkLst>
-        <pc:spChg chg="mod">
-          <ac:chgData name="Lines, Todd" userId="afaf7c3a-e8aa-4568-882a-02ad8f9e19b0" providerId="ADAL" clId="{63800CE7-8C60-43B0-9F00-B562DD0F0099}" dt="2023-09-26T16:42:09.923" v="519" actId="20577"/>
-          <ac:spMkLst>
-            <pc:docMk/>
-            <pc:sldMk cId="2985780737" sldId="1393"/>
-            <ac:spMk id="2" creationId="{4FBB5439-E1A5-749B-55C4-5D6E9CC9BA19}"/>
-          </ac:spMkLst>
-        </pc:spChg>
-        <pc:spChg chg="mod">
-          <ac:chgData name="Lines, Todd" userId="afaf7c3a-e8aa-4568-882a-02ad8f9e19b0" providerId="ADAL" clId="{63800CE7-8C60-43B0-9F00-B562DD0F0099}" dt="2023-09-26T16:43:37.317" v="675" actId="20577"/>
-          <ac:spMkLst>
-            <pc:docMk/>
-            <pc:sldMk cId="2985780737" sldId="1393"/>
-            <ac:spMk id="3" creationId="{0BCB696E-FA4F-4439-3586-93A5B8533B04}"/>
-          </ac:spMkLst>
-        </pc:spChg>
-        <pc:spChg chg="add mod">
-          <ac:chgData name="Lines, Todd" userId="afaf7c3a-e8aa-4568-882a-02ad8f9e19b0" providerId="ADAL" clId="{63800CE7-8C60-43B0-9F00-B562DD0F0099}" dt="2023-09-26T16:45:01.521" v="771" actId="1038"/>
-          <ac:spMkLst>
-            <pc:docMk/>
-            <pc:sldMk cId="2985780737" sldId="1393"/>
-            <ac:spMk id="4" creationId="{BE40B40E-0A64-504F-15E6-6BA33EA6DDC9}"/>
-          </ac:spMkLst>
-        </pc:spChg>
-        <pc:spChg chg="add mod">
-          <ac:chgData name="Lines, Todd" userId="afaf7c3a-e8aa-4568-882a-02ad8f9e19b0" providerId="ADAL" clId="{63800CE7-8C60-43B0-9F00-B562DD0F0099}" dt="2023-09-26T16:45:01.521" v="771" actId="1038"/>
-          <ac:spMkLst>
-            <pc:docMk/>
-            <pc:sldMk cId="2985780737" sldId="1393"/>
-            <ac:spMk id="5" creationId="{787F6478-7692-8461-583C-4A3768383BEE}"/>
-          </ac:spMkLst>
-        </pc:spChg>
-        <pc:cxnChg chg="add mod">
-          <ac:chgData name="Lines, Todd" userId="afaf7c3a-e8aa-4568-882a-02ad8f9e19b0" providerId="ADAL" clId="{63800CE7-8C60-43B0-9F00-B562DD0F0099}" dt="2023-09-26T16:45:01.521" v="771" actId="1038"/>
-          <ac:cxnSpMkLst>
-            <pc:docMk/>
-            <pc:sldMk cId="2985780737" sldId="1393"/>
-            <ac:cxnSpMk id="7" creationId="{D79D3EBD-AAB0-A4D6-2D1C-A3728FA9D3B5}"/>
-          </ac:cxnSpMkLst>
-        </pc:cxnChg>
-        <pc:cxnChg chg="add mod">
-          <ac:chgData name="Lines, Todd" userId="afaf7c3a-e8aa-4568-882a-02ad8f9e19b0" providerId="ADAL" clId="{63800CE7-8C60-43B0-9F00-B562DD0F0099}" dt="2023-09-26T16:45:01.521" v="771" actId="1038"/>
-          <ac:cxnSpMkLst>
-            <pc:docMk/>
-            <pc:sldMk cId="2985780737" sldId="1393"/>
-            <ac:cxnSpMk id="8" creationId="{CA061B62-C967-BC1D-1214-2DEDFE3D0B67}"/>
-          </ac:cxnSpMkLst>
-        </pc:cxnChg>
-        <pc:cxnChg chg="add del mod">
-          <ac:chgData name="Lines, Todd" userId="afaf7c3a-e8aa-4568-882a-02ad8f9e19b0" providerId="ADAL" clId="{63800CE7-8C60-43B0-9F00-B562DD0F0099}" dt="2023-09-26T16:44:10.404" v="681" actId="478"/>
-          <ac:cxnSpMkLst>
-            <pc:docMk/>
-            <pc:sldMk cId="2985780737" sldId="1393"/>
-            <ac:cxnSpMk id="9" creationId="{2D834B29-F52E-C472-7D6D-3DE8C092ACDC}"/>
-          </ac:cxnSpMkLst>
-        </pc:cxnChg>
-        <pc:cxnChg chg="add del mod">
-          <ac:chgData name="Lines, Todd" userId="afaf7c3a-e8aa-4568-882a-02ad8f9e19b0" providerId="ADAL" clId="{63800CE7-8C60-43B0-9F00-B562DD0F0099}" dt="2023-09-26T16:44:20.069" v="684" actId="478"/>
-          <ac:cxnSpMkLst>
-            <pc:docMk/>
-            <pc:sldMk cId="2985780737" sldId="1393"/>
-            <ac:cxnSpMk id="10" creationId="{8799730D-29DB-16F5-91B2-62C205502FBB}"/>
-          </ac:cxnSpMkLst>
-        </pc:cxnChg>
-        <pc:cxnChg chg="add mod">
-          <ac:chgData name="Lines, Todd" userId="afaf7c3a-e8aa-4568-882a-02ad8f9e19b0" providerId="ADAL" clId="{63800CE7-8C60-43B0-9F00-B562DD0F0099}" dt="2023-09-26T16:45:01.521" v="771" actId="1038"/>
-          <ac:cxnSpMkLst>
-            <pc:docMk/>
-            <pc:sldMk cId="2985780737" sldId="1393"/>
-            <ac:cxnSpMk id="11" creationId="{0510AFE9-AA18-5403-CBDA-232E98026C01}"/>
-          </ac:cxnSpMkLst>
-        </pc:cxnChg>
-        <pc:cxnChg chg="add del mod">
-          <ac:chgData name="Lines, Todd" userId="afaf7c3a-e8aa-4568-882a-02ad8f9e19b0" providerId="ADAL" clId="{63800CE7-8C60-43B0-9F00-B562DD0F0099}" dt="2023-09-26T16:44:47.118" v="733" actId="478"/>
-          <ac:cxnSpMkLst>
-            <pc:docMk/>
-            <pc:sldMk cId="2985780737" sldId="1393"/>
-            <ac:cxnSpMk id="12" creationId="{8AFEFF3F-E4C1-4371-5615-364FA77C1997}"/>
-          </ac:cxnSpMkLst>
-        </pc:cxnChg>
-        <pc:cxnChg chg="add mod">
-          <ac:chgData name="Lines, Todd" userId="afaf7c3a-e8aa-4568-882a-02ad8f9e19b0" providerId="ADAL" clId="{63800CE7-8C60-43B0-9F00-B562DD0F0099}" dt="2023-09-26T16:45:01.521" v="771" actId="1038"/>
-          <ac:cxnSpMkLst>
-            <pc:docMk/>
-            <pc:sldMk cId="2985780737" sldId="1393"/>
-            <ac:cxnSpMk id="13" creationId="{C590E27E-5B02-F3E1-6185-AE592E6B5180}"/>
-          </ac:cxnSpMkLst>
-        </pc:cxnChg>
       </pc:sldChg>
     </pc:docChg>
   </pc:docChgLst>
@@ -711,7 +542,7 @@
             <a:fld id="{35B662AB-104C-4491-AAF7-2D7772FB2490}" type="datetimeFigureOut">
               <a:rPr lang="en-US" smtClean="0"/>
               <a:pPr/>
-              <a:t>10/1/2024</a:t>
+              <a:t>10/28/2025</a:t>
             </a:fld>
             <a:endParaRPr lang="en-US"/>
           </a:p>
@@ -876,7 +707,7 @@
             <a:fld id="{35B662AB-104C-4491-AAF7-2D7772FB2490}" type="datetimeFigureOut">
               <a:rPr lang="en-US" smtClean="0"/>
               <a:pPr/>
-              <a:t>10/1/2024</a:t>
+              <a:t>10/28/2025</a:t>
             </a:fld>
             <a:endParaRPr lang="en-US"/>
           </a:p>
@@ -1051,7 +882,7 @@
             <a:fld id="{35B662AB-104C-4491-AAF7-2D7772FB2490}" type="datetimeFigureOut">
               <a:rPr lang="en-US" smtClean="0"/>
               <a:pPr/>
-              <a:t>10/1/2024</a:t>
+              <a:t>10/28/2025</a:t>
             </a:fld>
             <a:endParaRPr lang="en-US"/>
           </a:p>
@@ -1443,7 +1274,7 @@
             <a:fld id="{35B662AB-104C-4491-AAF7-2D7772FB2490}" type="datetimeFigureOut">
               <a:rPr lang="en-US" smtClean="0"/>
               <a:pPr/>
-              <a:t>10/1/2024</a:t>
+              <a:t>10/28/2025</a:t>
             </a:fld>
             <a:endParaRPr lang="en-US"/>
           </a:p>
@@ -1685,7 +1516,7 @@
             <a:fld id="{35B662AB-104C-4491-AAF7-2D7772FB2490}" type="datetimeFigureOut">
               <a:rPr lang="en-US" smtClean="0"/>
               <a:pPr/>
-              <a:t>10/1/2024</a:t>
+              <a:t>10/28/2025</a:t>
             </a:fld>
             <a:endParaRPr lang="en-US"/>
           </a:p>
@@ -1967,7 +1798,7 @@
             <a:fld id="{35B662AB-104C-4491-AAF7-2D7772FB2490}" type="datetimeFigureOut">
               <a:rPr lang="en-US" smtClean="0"/>
               <a:pPr/>
-              <a:t>10/1/2024</a:t>
+              <a:t>10/28/2025</a:t>
             </a:fld>
             <a:endParaRPr lang="en-US"/>
           </a:p>
@@ -2383,7 +2214,7 @@
             <a:fld id="{35B662AB-104C-4491-AAF7-2D7772FB2490}" type="datetimeFigureOut">
               <a:rPr lang="en-US" smtClean="0"/>
               <a:pPr/>
-              <a:t>10/1/2024</a:t>
+              <a:t>10/28/2025</a:t>
             </a:fld>
             <a:endParaRPr lang="en-US"/>
           </a:p>
@@ -2497,7 +2328,7 @@
             <a:fld id="{35B662AB-104C-4491-AAF7-2D7772FB2490}" type="datetimeFigureOut">
               <a:rPr lang="en-US" smtClean="0"/>
               <a:pPr/>
-              <a:t>10/1/2024</a:t>
+              <a:t>10/28/2025</a:t>
             </a:fld>
             <a:endParaRPr lang="en-US"/>
           </a:p>
@@ -2589,7 +2420,7 @@
             <a:fld id="{35B662AB-104C-4491-AAF7-2D7772FB2490}" type="datetimeFigureOut">
               <a:rPr lang="en-US" smtClean="0"/>
               <a:pPr/>
-              <a:t>10/1/2024</a:t>
+              <a:t>10/28/2025</a:t>
             </a:fld>
             <a:endParaRPr lang="en-US"/>
           </a:p>
@@ -2861,7 +2692,7 @@
             <a:fld id="{35B662AB-104C-4491-AAF7-2D7772FB2490}" type="datetimeFigureOut">
               <a:rPr lang="en-US" smtClean="0"/>
               <a:pPr/>
-              <a:t>10/1/2024</a:t>
+              <a:t>10/28/2025</a:t>
             </a:fld>
             <a:endParaRPr lang="en-US"/>
           </a:p>
@@ -3110,7 +2941,7 @@
             <a:fld id="{35B662AB-104C-4491-AAF7-2D7772FB2490}" type="datetimeFigureOut">
               <a:rPr lang="en-US" smtClean="0"/>
               <a:pPr/>
-              <a:t>10/1/2024</a:t>
+              <a:t>10/28/2025</a:t>
             </a:fld>
             <a:endParaRPr lang="en-US"/>
           </a:p>
@@ -3318,7 +3149,7 @@
             <a:fld id="{35B662AB-104C-4491-AAF7-2D7772FB2490}" type="datetimeFigureOut">
               <a:rPr lang="en-US" smtClean="0"/>
               <a:pPr/>
-              <a:t>10/1/2024</a:t>
+              <a:t>10/28/2025</a:t>
             </a:fld>
             <a:endParaRPr lang="en-US"/>
           </a:p>
